--- a/docs/source/TP2/Session2_slides.pptx
+++ b/docs/source/TP2/Session2_slides.pptx
@@ -119,7 +119,7 @@
   </p:defaultTextStyle>
   <p:extLst>
     <p:ext uri="{EFAFB233-063F-42B5-8137-9DF3F51BA10A}">
-      <p15:sldGuideLst xmlns:p15="http://schemas.microsoft.com/office/powerpoint/2012/main"/>
+      <p15:sldGuideLst xmlns:p15="http://schemas.microsoft.com/office/powerpoint/2012/main" xmlns=""/>
     </p:ext>
   </p:extLst>
 </p:presentation>
@@ -848,7 +848,7 @@
             <a:fld id="{96DFF08F-DC6B-4601-B491-B0F83F6DD2DA}" type="datetimeFigureOut">
               <a:rPr lang="en-US" smtClean="0"/>
               <a:pPr/>
-              <a:t>3/9/2017</a:t>
+              <a:t>30/05/17</a:t>
             </a:fld>
             <a:endParaRPr lang="en-US" dirty="0"/>
           </a:p>
@@ -891,7 +891,7 @@
             <a:fld id="{4FAB73BC-B049-4115-A692-8D63A059BFB8}" type="slidenum">
               <a:rPr lang="en-US" smtClean="0"/>
               <a:pPr/>
-              <a:t>‹N°›</a:t>
+              <a:t>‹#›</a:t>
             </a:fld>
             <a:endParaRPr lang="en-US" dirty="0"/>
           </a:p>
@@ -1101,7 +1101,7 @@
             <a:fld id="{96DFF08F-DC6B-4601-B491-B0F83F6DD2DA}" type="datetimeFigureOut">
               <a:rPr lang="en-US" smtClean="0"/>
               <a:pPr/>
-              <a:t>3/9/2017</a:t>
+              <a:t>30/05/17</a:t>
             </a:fld>
             <a:endParaRPr lang="en-US" dirty="0"/>
           </a:p>
@@ -1144,7 +1144,7 @@
             <a:fld id="{4FAB73BC-B049-4115-A692-8D63A059BFB8}" type="slidenum">
               <a:rPr lang="en-US" smtClean="0"/>
               <a:pPr/>
-              <a:t>‹N°›</a:t>
+              <a:t>‹#›</a:t>
             </a:fld>
             <a:endParaRPr lang="en-US" dirty="0"/>
           </a:p>
@@ -1417,7 +1417,7 @@
             <a:fld id="{96DFF08F-DC6B-4601-B491-B0F83F6DD2DA}" type="datetimeFigureOut">
               <a:rPr lang="en-US" smtClean="0"/>
               <a:pPr/>
-              <a:t>3/9/2017</a:t>
+              <a:t>30/05/17</a:t>
             </a:fld>
             <a:endParaRPr lang="en-US" dirty="0"/>
           </a:p>
@@ -1460,7 +1460,7 @@
             <a:fld id="{4FAB73BC-B049-4115-A692-8D63A059BFB8}" type="slidenum">
               <a:rPr lang="en-US" smtClean="0"/>
               <a:pPr/>
-              <a:t>‹N°›</a:t>
+              <a:t>‹#›</a:t>
             </a:fld>
             <a:endParaRPr lang="en-US" dirty="0"/>
           </a:p>
@@ -1760,7 +1760,7 @@
             <a:fld id="{96DFF08F-DC6B-4601-B491-B0F83F6DD2DA}" type="datetimeFigureOut">
               <a:rPr lang="en-US" smtClean="0"/>
               <a:pPr/>
-              <a:t>3/9/2017</a:t>
+              <a:t>30/05/17</a:t>
             </a:fld>
             <a:endParaRPr lang="en-US" dirty="0"/>
           </a:p>
@@ -1803,7 +1803,7 @@
             <a:fld id="{4FAB73BC-B049-4115-A692-8D63A059BFB8}" type="slidenum">
               <a:rPr lang="en-US" smtClean="0"/>
               <a:pPr/>
-              <a:t>‹N°›</a:t>
+              <a:t>‹#›</a:t>
             </a:fld>
             <a:endParaRPr lang="en-US" dirty="0"/>
           </a:p>
@@ -2076,7 +2076,7 @@
             <a:fld id="{96DFF08F-DC6B-4601-B491-B0F83F6DD2DA}" type="datetimeFigureOut">
               <a:rPr lang="en-US" smtClean="0"/>
               <a:pPr/>
-              <a:t>3/9/2017</a:t>
+              <a:t>30/05/17</a:t>
             </a:fld>
             <a:endParaRPr lang="en-US" dirty="0"/>
           </a:p>
@@ -2119,7 +2119,7 @@
             <a:fld id="{4FAB73BC-B049-4115-A692-8D63A059BFB8}" type="slidenum">
               <a:rPr lang="en-US" smtClean="0"/>
               <a:pPr/>
-              <a:t>‹N°›</a:t>
+              <a:t>‹#›</a:t>
             </a:fld>
             <a:endParaRPr lang="en-US" dirty="0"/>
           </a:p>
@@ -2471,7 +2471,7 @@
             <a:fld id="{96DFF08F-DC6B-4601-B491-B0F83F6DD2DA}" type="datetimeFigureOut">
               <a:rPr lang="en-US" smtClean="0"/>
               <a:pPr/>
-              <a:t>3/9/2017</a:t>
+              <a:t>30/05/17</a:t>
             </a:fld>
             <a:endParaRPr lang="en-US" dirty="0"/>
           </a:p>
@@ -2514,7 +2514,7 @@
             <a:fld id="{4FAB73BC-B049-4115-A692-8D63A059BFB8}" type="slidenum">
               <a:rPr lang="en-US" smtClean="0"/>
               <a:pPr/>
-              <a:t>‹N°›</a:t>
+              <a:t>‹#›</a:t>
             </a:fld>
             <a:endParaRPr lang="en-US" dirty="0"/>
           </a:p>
@@ -2642,7 +2642,7 @@
           <a:p>
             <a:fld id="{96DFF08F-DC6B-4601-B491-B0F83F6DD2DA}" type="datetimeFigureOut">
               <a:rPr lang="en-US" smtClean="0"/>
-              <a:t>3/9/2017</a:t>
+              <a:t>30/05/17</a:t>
             </a:fld>
             <a:endParaRPr lang="en-US" dirty="0"/>
           </a:p>
@@ -2684,7 +2684,7 @@
           <a:p>
             <a:fld id="{4FAB73BC-B049-4115-A692-8D63A059BFB8}" type="slidenum">
               <a:rPr lang="en-US" smtClean="0"/>
-              <a:t>‹N°›</a:t>
+              <a:t>‹#›</a:t>
             </a:fld>
             <a:endParaRPr lang="en-US" dirty="0"/>
           </a:p>
@@ -2822,7 +2822,7 @@
           <a:p>
             <a:fld id="{96DFF08F-DC6B-4601-B491-B0F83F6DD2DA}" type="datetimeFigureOut">
               <a:rPr lang="en-US" smtClean="0"/>
-              <a:t>3/9/2017</a:t>
+              <a:t>30/05/17</a:t>
             </a:fld>
             <a:endParaRPr lang="en-US" dirty="0"/>
           </a:p>
@@ -2864,7 +2864,7 @@
           <a:p>
             <a:fld id="{4FAB73BC-B049-4115-A692-8D63A059BFB8}" type="slidenum">
               <a:rPr lang="en-US" smtClean="0"/>
-              <a:t>‹N°›</a:t>
+              <a:t>‹#›</a:t>
             </a:fld>
             <a:endParaRPr lang="en-US" dirty="0"/>
           </a:p>
@@ -2998,7 +2998,7 @@
           <a:p>
             <a:fld id="{96DFF08F-DC6B-4601-B491-B0F83F6DD2DA}" type="datetimeFigureOut">
               <a:rPr lang="en-US" smtClean="0"/>
-              <a:t>3/9/2017</a:t>
+              <a:t>30/05/17</a:t>
             </a:fld>
             <a:endParaRPr lang="en-US" dirty="0"/>
           </a:p>
@@ -3040,7 +3040,7 @@
           <a:p>
             <a:fld id="{4FAB73BC-B049-4115-A692-8D63A059BFB8}" type="slidenum">
               <a:rPr lang="en-US" smtClean="0"/>
-              <a:t>‹N°›</a:t>
+              <a:t>‹#›</a:t>
             </a:fld>
             <a:endParaRPr lang="en-US" dirty="0"/>
           </a:p>
@@ -3245,7 +3245,7 @@
           <a:p>
             <a:fld id="{96DFF08F-DC6B-4601-B491-B0F83F6DD2DA}" type="datetimeFigureOut">
               <a:rPr lang="en-US" smtClean="0"/>
-              <a:t>3/9/2017</a:t>
+              <a:t>30/05/17</a:t>
             </a:fld>
             <a:endParaRPr lang="en-US" dirty="0"/>
           </a:p>
@@ -3287,7 +3287,7 @@
           <a:p>
             <a:fld id="{4FAB73BC-B049-4115-A692-8D63A059BFB8}" type="slidenum">
               <a:rPr lang="en-US" smtClean="0"/>
-              <a:t>‹N°›</a:t>
+              <a:t>‹#›</a:t>
             </a:fld>
             <a:endParaRPr lang="en-US" dirty="0"/>
           </a:p>
@@ -3477,7 +3477,7 @@
           <a:p>
             <a:fld id="{96DFF08F-DC6B-4601-B491-B0F83F6DD2DA}" type="datetimeFigureOut">
               <a:rPr lang="en-US" smtClean="0"/>
-              <a:t>3/9/2017</a:t>
+              <a:t>30/05/17</a:t>
             </a:fld>
             <a:endParaRPr lang="en-US" dirty="0"/>
           </a:p>
@@ -3519,7 +3519,7 @@
           <a:p>
             <a:fld id="{4FAB73BC-B049-4115-A692-8D63A059BFB8}" type="slidenum">
               <a:rPr lang="en-US" smtClean="0"/>
-              <a:t>‹N°›</a:t>
+              <a:t>‹#›</a:t>
             </a:fld>
             <a:endParaRPr lang="en-US" dirty="0"/>
           </a:p>
@@ -3851,7 +3851,7 @@
           <a:p>
             <a:fld id="{96DFF08F-DC6B-4601-B491-B0F83F6DD2DA}" type="datetimeFigureOut">
               <a:rPr lang="en-US" smtClean="0"/>
-              <a:t>3/9/2017</a:t>
+              <a:t>30/05/17</a:t>
             </a:fld>
             <a:endParaRPr lang="en-US" dirty="0"/>
           </a:p>
@@ -3893,7 +3893,7 @@
           <a:p>
             <a:fld id="{4FAB73BC-B049-4115-A692-8D63A059BFB8}" type="slidenum">
               <a:rPr lang="en-US" smtClean="0"/>
-              <a:t>‹N°›</a:t>
+              <a:t>‹#›</a:t>
             </a:fld>
             <a:endParaRPr lang="en-US" dirty="0"/>
           </a:p>
@@ -3974,7 +3974,7 @@
           <a:p>
             <a:fld id="{96DFF08F-DC6B-4601-B491-B0F83F6DD2DA}" type="datetimeFigureOut">
               <a:rPr lang="en-US" smtClean="0"/>
-              <a:t>3/9/2017</a:t>
+              <a:t>30/05/17</a:t>
             </a:fld>
             <a:endParaRPr lang="en-US" dirty="0"/>
           </a:p>
@@ -4016,7 +4016,7 @@
           <a:p>
             <a:fld id="{4FAB73BC-B049-4115-A692-8D63A059BFB8}" type="slidenum">
               <a:rPr lang="en-US" smtClean="0"/>
-              <a:t>‹N°›</a:t>
+              <a:t>‹#›</a:t>
             </a:fld>
             <a:endParaRPr lang="en-US" dirty="0"/>
           </a:p>
@@ -4069,7 +4069,7 @@
           <a:p>
             <a:fld id="{96DFF08F-DC6B-4601-B491-B0F83F6DD2DA}" type="datetimeFigureOut">
               <a:rPr lang="en-US" smtClean="0"/>
-              <a:t>3/9/2017</a:t>
+              <a:t>30/05/17</a:t>
             </a:fld>
             <a:endParaRPr lang="en-US" dirty="0"/>
           </a:p>
@@ -4111,7 +4111,7 @@
           <a:p>
             <a:fld id="{4FAB73BC-B049-4115-A692-8D63A059BFB8}" type="slidenum">
               <a:rPr lang="en-US" smtClean="0"/>
-              <a:t>‹N°›</a:t>
+              <a:t>‹#›</a:t>
             </a:fld>
             <a:endParaRPr lang="en-US" dirty="0"/>
           </a:p>
@@ -4324,7 +4324,7 @@
           <a:p>
             <a:fld id="{96DFF08F-DC6B-4601-B491-B0F83F6DD2DA}" type="datetimeFigureOut">
               <a:rPr lang="en-US" smtClean="0"/>
-              <a:t>3/9/2017</a:t>
+              <a:t>30/05/17</a:t>
             </a:fld>
             <a:endParaRPr lang="en-US" dirty="0"/>
           </a:p>
@@ -4366,7 +4366,7 @@
           <a:p>
             <a:fld id="{4FAB73BC-B049-4115-A692-8D63A059BFB8}" type="slidenum">
               <a:rPr lang="en-US" smtClean="0"/>
-              <a:t>‹N°›</a:t>
+              <a:t>‹#›</a:t>
             </a:fld>
             <a:endParaRPr lang="en-US" dirty="0"/>
           </a:p>
@@ -4587,7 +4587,7 @@
           <a:p>
             <a:fld id="{96DFF08F-DC6B-4601-B491-B0F83F6DD2DA}" type="datetimeFigureOut">
               <a:rPr lang="en-US" smtClean="0"/>
-              <a:t>3/9/2017</a:t>
+              <a:t>30/05/17</a:t>
             </a:fld>
             <a:endParaRPr lang="en-US" dirty="0"/>
           </a:p>
@@ -4629,7 +4629,7 @@
           <a:p>
             <a:fld id="{4FAB73BC-B049-4115-A692-8D63A059BFB8}" type="slidenum">
               <a:rPr lang="en-US" smtClean="0"/>
-              <a:t>‹N°›</a:t>
+              <a:t>‹#›</a:t>
             </a:fld>
             <a:endParaRPr lang="en-US" dirty="0"/>
           </a:p>
@@ -5331,7 +5331,7 @@
             <a:fld id="{96DFF08F-DC6B-4601-B491-B0F83F6DD2DA}" type="datetimeFigureOut">
               <a:rPr lang="en-US" smtClean="0"/>
               <a:pPr/>
-              <a:t>3/9/2017</a:t>
+              <a:t>30/05/17</a:t>
             </a:fld>
             <a:endParaRPr lang="en-US" dirty="0"/>
           </a:p>
@@ -5408,7 +5408,7 @@
             <a:fld id="{4FAB73BC-B049-4115-A692-8D63A059BFB8}" type="slidenum">
               <a:rPr lang="en-US" smtClean="0"/>
               <a:pPr/>
-              <a:t>‹N°›</a:t>
+              <a:t>‹#›</a:t>
             </a:fld>
             <a:endParaRPr lang="en-US" dirty="0"/>
           </a:p>
@@ -5910,27 +5910,19 @@
           <a:p>
             <a:r>
               <a:rPr lang="fr-FR" sz="3500" dirty="0" smtClean="0"/>
-              <a:t>Session </a:t>
-            </a:r>
-            <a:r>
-              <a:rPr lang="fr-FR" sz="3500" dirty="0" smtClean="0"/>
-              <a:t>2</a:t>
-            </a:r>
-            <a:endParaRPr lang="fr-FR" sz="3500" dirty="0" smtClean="0"/>
+              <a:t>Session 2</a:t>
+            </a:r>
           </a:p>
           <a:p>
             <a:r>
               <a:rPr lang="fr-FR" dirty="0"/>
-              <a:t>9</a:t>
+              <a:t>1</a:t>
             </a:r>
             <a:r>
               <a:rPr lang="fr-FR" dirty="0" smtClean="0"/>
-              <a:t> </a:t>
-            </a:r>
-            <a:r>
-              <a:rPr lang="fr-FR" dirty="0" smtClean="0"/>
-              <a:t>mars 2017</a:t>
-            </a:r>
+              <a:t> juin2017</a:t>
+            </a:r>
+            <a:endParaRPr lang="fr-FR" dirty="0" smtClean="0"/>
           </a:p>
           <a:p>
             <a:endParaRPr lang="fr-FR" dirty="0"/>
@@ -5983,7 +5975,7 @@
           </a:prstGeom>
           <a:noFill/>
           <a:extLst>
-            <a:ext uri="{909E8E84-426E-40DD-AFC4-6F175D3DCCD1}">
+            <a:ext uri="{909E8E84-426E-40dd-AFC4-6F175D3DCCD1}">
               <a14:hiddenFill xmlns:a14="http://schemas.microsoft.com/office/drawing/2010/main">
                 <a:solidFill>
                   <a:srgbClr val="FFFFFF"/>
@@ -6006,7 +5998,7 @@
   <p:timing>
     <p:tnLst>
       <p:par>
-        <p:cTn id="1" dur="indefinite" restart="never" nodeType="tmRoot"/>
+        <p:cTn xmlns:p14="http://schemas.microsoft.com/office/powerpoint/2010/main" id="1" dur="indefinite" restart="never" nodeType="tmRoot"/>
       </p:par>
     </p:tnLst>
   </p:timing>
@@ -6098,11 +6090,7 @@
             </a:r>
             <a:r>
               <a:rPr lang="fr-FR" sz="2400" dirty="0" smtClean="0"/>
-              <a:t>lot</a:t>
-            </a:r>
-            <a:r>
-              <a:rPr lang="fr-FR" sz="2400" dirty="0" smtClean="0"/>
-              <a:t>()</a:t>
+              <a:t>lot()</a:t>
             </a:r>
           </a:p>
           <a:p>
@@ -6337,7 +6325,7 @@
   <p:timing>
     <p:tnLst>
       <p:par>
-        <p:cTn id="1" dur="indefinite" restart="never" nodeType="tmRoot"/>
+        <p:cTn xmlns:p14="http://schemas.microsoft.com/office/powerpoint/2010/main" id="1" dur="indefinite" restart="never" nodeType="tmRoot"/>
       </p:par>
     </p:tnLst>
   </p:timing>
@@ -6685,7 +6673,7 @@
   <p:timing>
     <p:tnLst>
       <p:par>
-        <p:cTn id="1" dur="indefinite" restart="never" nodeType="tmRoot">
+        <p:cTn xmlns:p14="http://schemas.microsoft.com/office/powerpoint/2010/main" id="1" dur="indefinite" restart="never" nodeType="tmRoot">
           <p:childTnLst>
             <p:seq concurrent="1" nextAc="seek">
               <p:cTn id="2" dur="indefinite" nodeType="mainSeq">
@@ -7552,7 +7540,7 @@
   <p:timing>
     <p:tnLst>
       <p:par>
-        <p:cTn id="1" dur="indefinite" restart="never" nodeType="tmRoot">
+        <p:cTn xmlns:p14="http://schemas.microsoft.com/office/powerpoint/2010/main" id="1" dur="indefinite" restart="never" nodeType="tmRoot">
           <p:childTnLst>
             <p:seq concurrent="1" nextAc="seek">
               <p:cTn id="2" dur="indefinite" nodeType="mainSeq">
@@ -7878,7 +7866,7 @@
   <p:timing>
     <p:tnLst>
       <p:par>
-        <p:cTn id="1" dur="indefinite" restart="never" nodeType="tmRoot"/>
+        <p:cTn xmlns:p14="http://schemas.microsoft.com/office/powerpoint/2010/main" id="1" dur="indefinite" restart="never" nodeType="tmRoot"/>
       </p:par>
     </p:tnLst>
   </p:timing>
@@ -7940,7 +7928,7 @@
           </a:prstGeom>
           <a:noFill/>
           <a:extLst>
-            <a:ext uri="{909E8E84-426E-40DD-AFC4-6F175D3DCCD1}">
+            <a:ext uri="{909E8E84-426E-40dd-AFC4-6F175D3DCCD1}">
               <a14:hiddenFill xmlns:a14="http://schemas.microsoft.com/office/drawing/2010/main">
                 <a:solidFill>
                   <a:srgbClr val="FFFFFF"/>
@@ -8024,7 +8012,7 @@
   <p:timing>
     <p:tnLst>
       <p:par>
-        <p:cTn id="1" dur="indefinite" restart="never" nodeType="tmRoot"/>
+        <p:cTn xmlns:p14="http://schemas.microsoft.com/office/powerpoint/2010/main" id="1" dur="indefinite" restart="never" nodeType="tmRoot"/>
       </p:par>
     </p:tnLst>
   </p:timing>
@@ -8239,14 +8227,7 @@
                 <a:latin typeface="Courier New" panose="02070309020205020404" pitchFamily="49" charset="0"/>
                 <a:cs typeface="Courier New" panose="02070309020205020404" pitchFamily="49" charset="0"/>
               </a:rPr>
-              <a:t>l</a:t>
-            </a:r>
-            <a:r>
-              <a:rPr lang="fr-FR" sz="2000" dirty="0" err="1">
-                <a:latin typeface="Courier New" panose="02070309020205020404" pitchFamily="49" charset="0"/>
-                <a:cs typeface="Courier New" panose="02070309020205020404" pitchFamily="49" charset="0"/>
-              </a:rPr>
-              <a:t>ength</a:t>
+              <a:t>length</a:t>
             </a:r>
             <a:r>
               <a:rPr lang="fr-FR" sz="2000" dirty="0">
@@ -8280,7 +8261,7 @@
   <p:timing>
     <p:tnLst>
       <p:par>
-        <p:cTn id="1" dur="indefinite" restart="never" nodeType="tmRoot"/>
+        <p:cTn xmlns:p14="http://schemas.microsoft.com/office/powerpoint/2010/main" id="1" dur="indefinite" restart="never" nodeType="tmRoot"/>
       </p:par>
     </p:tnLst>
   </p:timing>
@@ -8614,14 +8595,7 @@
                 <a:latin typeface="Courier New" panose="02070309020205020404" pitchFamily="49" charset="0"/>
                 <a:cs typeface="Courier New" panose="02070309020205020404" pitchFamily="49" charset="0"/>
               </a:rPr>
-              <a:t>n</a:t>
-            </a:r>
-            <a:r>
-              <a:rPr lang="fr-FR" sz="2100" dirty="0" err="1">
-                <a:latin typeface="Courier New" panose="02070309020205020404" pitchFamily="49" charset="0"/>
-                <a:cs typeface="Courier New" panose="02070309020205020404" pitchFamily="49" charset="0"/>
-              </a:rPr>
-              <a:t>row</a:t>
+              <a:t>nrow</a:t>
             </a:r>
             <a:r>
               <a:rPr lang="fr-FR" sz="2100" dirty="0">
@@ -8642,14 +8616,7 @@
                 <a:latin typeface="Courier New" panose="02070309020205020404" pitchFamily="49" charset="0"/>
                 <a:cs typeface="Courier New" panose="02070309020205020404" pitchFamily="49" charset="0"/>
               </a:rPr>
-              <a:t>n</a:t>
-            </a:r>
-            <a:r>
-              <a:rPr lang="fr-FR" sz="2100" dirty="0" err="1">
-                <a:latin typeface="Courier New" panose="02070309020205020404" pitchFamily="49" charset="0"/>
-                <a:cs typeface="Courier New" panose="02070309020205020404" pitchFamily="49" charset="0"/>
-              </a:rPr>
-              <a:t>col</a:t>
+              <a:t>ncol</a:t>
             </a:r>
             <a:r>
               <a:rPr lang="fr-FR" sz="2100" dirty="0">
@@ -8683,7 +8650,7 @@
   <p:timing>
     <p:tnLst>
       <p:par>
-        <p:cTn id="1" dur="indefinite" restart="never" nodeType="tmRoot"/>
+        <p:cTn xmlns:p14="http://schemas.microsoft.com/office/powerpoint/2010/main" id="1" dur="indefinite" restart="never" nodeType="tmRoot"/>
       </p:par>
     </p:tnLst>
   </p:timing>
@@ -9350,7 +9317,7 @@
   <p:timing>
     <p:tnLst>
       <p:par>
-        <p:cTn id="1" dur="indefinite" restart="never" nodeType="tmRoot"/>
+        <p:cTn xmlns:p14="http://schemas.microsoft.com/office/powerpoint/2010/main" id="1" dur="indefinite" restart="never" nodeType="tmRoot"/>
       </p:par>
     </p:tnLst>
   </p:timing>
@@ -9776,7 +9743,7 @@
   <p:timing>
     <p:tnLst>
       <p:par>
-        <p:cTn id="1" dur="indefinite" restart="never" nodeType="tmRoot"/>
+        <p:cTn xmlns:p14="http://schemas.microsoft.com/office/powerpoint/2010/main" id="1" dur="indefinite" restart="never" nodeType="tmRoot"/>
       </p:par>
     </p:tnLst>
   </p:timing>
@@ -9970,7 +9937,7 @@
   <p:timing>
     <p:tnLst>
       <p:par>
-        <p:cTn id="1" dur="indefinite" restart="never" nodeType="tmRoot"/>
+        <p:cTn xmlns:p14="http://schemas.microsoft.com/office/powerpoint/2010/main" id="1" dur="indefinite" restart="never" nodeType="tmRoot"/>
       </p:par>
     </p:tnLst>
   </p:timing>
@@ -10200,11 +10167,7 @@
           <a:p>
             <a:r>
               <a:rPr lang="fr-FR" sz="2000" dirty="0"/>
-              <a:t>C</a:t>
-            </a:r>
-            <a:r>
-              <a:rPr lang="fr-FR" sz="2000" dirty="0"/>
-              <a:t>hargement d’un package installé</a:t>
+              <a:t>Chargement d’un package installé</a:t>
             </a:r>
           </a:p>
           <a:p>
@@ -10259,7 +10222,6 @@
               <a:rPr lang="fr-FR" sz="1800" dirty="0"/>
               <a:t> en cliquant sur le package de vote choix</a:t>
             </a:r>
-            <a:endParaRPr lang="fr-FR" sz="1800" dirty="0"/>
           </a:p>
         </p:txBody>
       </p:sp>
@@ -10276,7 +10238,7 @@
   <p:timing>
     <p:tnLst>
       <p:par>
-        <p:cTn id="1" dur="indefinite" restart="never" nodeType="tmRoot"/>
+        <p:cTn xmlns:p14="http://schemas.microsoft.com/office/powerpoint/2010/main" id="1" dur="indefinite" restart="never" nodeType="tmRoot"/>
       </p:par>
     </p:tnLst>
   </p:timing>
@@ -10545,7 +10507,7 @@
   <p:timing>
     <p:tnLst>
       <p:par>
-        <p:cTn id="1" dur="indefinite" restart="never" nodeType="tmRoot"/>
+        <p:cTn xmlns:p14="http://schemas.microsoft.com/office/powerpoint/2010/main" id="1" dur="indefinite" restart="never" nodeType="tmRoot"/>
       </p:par>
     </p:tnLst>
   </p:timing>
@@ -10933,7 +10895,7 @@
   <p:timing>
     <p:tnLst>
       <p:par>
-        <p:cTn id="1" dur="indefinite" restart="never" nodeType="tmRoot"/>
+        <p:cTn xmlns:p14="http://schemas.microsoft.com/office/powerpoint/2010/main" id="1" dur="indefinite" restart="never" nodeType="tmRoot"/>
       </p:par>
     </p:tnLst>
   </p:timing>
@@ -10983,7 +10945,7 @@
     </a:clrScheme>
     <a:fontScheme name="Facette">
       <a:majorFont>
-        <a:latin typeface="Trebuchet MS" panose="020B0603020202020204"/>
+        <a:latin typeface="Trebuchet MS"/>
         <a:ea typeface=""/>
         <a:cs typeface=""/>
         <a:font script="Jpan" typeface="メイリオ"/>
@@ -11018,7 +10980,7 @@
         <a:font script="Geor" typeface="Sylfaen"/>
       </a:majorFont>
       <a:minorFont>
-        <a:latin typeface="Trebuchet MS" panose="020B0603020202020204"/>
+        <a:latin typeface="Trebuchet MS"/>
         <a:ea typeface=""/>
         <a:cs typeface=""/>
         <a:font script="Jpan" typeface="メイリオ"/>
@@ -11191,7 +11153,7 @@
   <a:extraClrSchemeLst/>
   <a:extLst>
     <a:ext uri="{05A4C25C-085E-4340-85A3-A5531E510DB2}">
-      <thm15:themeFamily xmlns:thm15="http://schemas.microsoft.com/office/thememl/2012/main" name="Facet" id="{C0C680CD-088A-49FC-A102-D699147F32B2}" vid="{CFBC31BA-B70F-4F30-BCAA-4F3011E16C4D}"/>
+      <thm15:themeFamily xmlns:thm15="http://schemas.microsoft.com/office/thememl/2012/main" xmlns="" name="Facet" id="{C0C680CD-088A-49FC-A102-D699147F32B2}" vid="{CFBC31BA-B70F-4F30-BCAA-4F3011E16C4D}"/>
     </a:ext>
   </a:extLst>
 </a:theme>

--- a/docs/source/TP2/Session2_slides.pptx
+++ b/docs/source/TP2/Session2_slides.pptx
@@ -848,7 +848,7 @@
             <a:fld id="{96DFF08F-DC6B-4601-B491-B0F83F6DD2DA}" type="datetimeFigureOut">
               <a:rPr lang="en-US" smtClean="0"/>
               <a:pPr/>
-              <a:t>30/05/17</a:t>
+              <a:t>6/1/2017</a:t>
             </a:fld>
             <a:endParaRPr lang="en-US" dirty="0"/>
           </a:p>
@@ -891,7 +891,7 @@
             <a:fld id="{4FAB73BC-B049-4115-A692-8D63A059BFB8}" type="slidenum">
               <a:rPr lang="en-US" smtClean="0"/>
               <a:pPr/>
-              <a:t>‹#›</a:t>
+              <a:t>‹N°›</a:t>
             </a:fld>
             <a:endParaRPr lang="en-US" dirty="0"/>
           </a:p>
@@ -1101,7 +1101,7 @@
             <a:fld id="{96DFF08F-DC6B-4601-B491-B0F83F6DD2DA}" type="datetimeFigureOut">
               <a:rPr lang="en-US" smtClean="0"/>
               <a:pPr/>
-              <a:t>30/05/17</a:t>
+              <a:t>6/1/2017</a:t>
             </a:fld>
             <a:endParaRPr lang="en-US" dirty="0"/>
           </a:p>
@@ -1144,7 +1144,7 @@
             <a:fld id="{4FAB73BC-B049-4115-A692-8D63A059BFB8}" type="slidenum">
               <a:rPr lang="en-US" smtClean="0"/>
               <a:pPr/>
-              <a:t>‹#›</a:t>
+              <a:t>‹N°›</a:t>
             </a:fld>
             <a:endParaRPr lang="en-US" dirty="0"/>
           </a:p>
@@ -1417,7 +1417,7 @@
             <a:fld id="{96DFF08F-DC6B-4601-B491-B0F83F6DD2DA}" type="datetimeFigureOut">
               <a:rPr lang="en-US" smtClean="0"/>
               <a:pPr/>
-              <a:t>30/05/17</a:t>
+              <a:t>6/1/2017</a:t>
             </a:fld>
             <a:endParaRPr lang="en-US" dirty="0"/>
           </a:p>
@@ -1460,7 +1460,7 @@
             <a:fld id="{4FAB73BC-B049-4115-A692-8D63A059BFB8}" type="slidenum">
               <a:rPr lang="en-US" smtClean="0"/>
               <a:pPr/>
-              <a:t>‹#›</a:t>
+              <a:t>‹N°›</a:t>
             </a:fld>
             <a:endParaRPr lang="en-US" dirty="0"/>
           </a:p>
@@ -1760,7 +1760,7 @@
             <a:fld id="{96DFF08F-DC6B-4601-B491-B0F83F6DD2DA}" type="datetimeFigureOut">
               <a:rPr lang="en-US" smtClean="0"/>
               <a:pPr/>
-              <a:t>30/05/17</a:t>
+              <a:t>6/1/2017</a:t>
             </a:fld>
             <a:endParaRPr lang="en-US" dirty="0"/>
           </a:p>
@@ -1803,7 +1803,7 @@
             <a:fld id="{4FAB73BC-B049-4115-A692-8D63A059BFB8}" type="slidenum">
               <a:rPr lang="en-US" smtClean="0"/>
               <a:pPr/>
-              <a:t>‹#›</a:t>
+              <a:t>‹N°›</a:t>
             </a:fld>
             <a:endParaRPr lang="en-US" dirty="0"/>
           </a:p>
@@ -2076,7 +2076,7 @@
             <a:fld id="{96DFF08F-DC6B-4601-B491-B0F83F6DD2DA}" type="datetimeFigureOut">
               <a:rPr lang="en-US" smtClean="0"/>
               <a:pPr/>
-              <a:t>30/05/17</a:t>
+              <a:t>6/1/2017</a:t>
             </a:fld>
             <a:endParaRPr lang="en-US" dirty="0"/>
           </a:p>
@@ -2119,7 +2119,7 @@
             <a:fld id="{4FAB73BC-B049-4115-A692-8D63A059BFB8}" type="slidenum">
               <a:rPr lang="en-US" smtClean="0"/>
               <a:pPr/>
-              <a:t>‹#›</a:t>
+              <a:t>‹N°›</a:t>
             </a:fld>
             <a:endParaRPr lang="en-US" dirty="0"/>
           </a:p>
@@ -2471,7 +2471,7 @@
             <a:fld id="{96DFF08F-DC6B-4601-B491-B0F83F6DD2DA}" type="datetimeFigureOut">
               <a:rPr lang="en-US" smtClean="0"/>
               <a:pPr/>
-              <a:t>30/05/17</a:t>
+              <a:t>6/1/2017</a:t>
             </a:fld>
             <a:endParaRPr lang="en-US" dirty="0"/>
           </a:p>
@@ -2514,7 +2514,7 @@
             <a:fld id="{4FAB73BC-B049-4115-A692-8D63A059BFB8}" type="slidenum">
               <a:rPr lang="en-US" smtClean="0"/>
               <a:pPr/>
-              <a:t>‹#›</a:t>
+              <a:t>‹N°›</a:t>
             </a:fld>
             <a:endParaRPr lang="en-US" dirty="0"/>
           </a:p>
@@ -2642,7 +2642,7 @@
           <a:p>
             <a:fld id="{96DFF08F-DC6B-4601-B491-B0F83F6DD2DA}" type="datetimeFigureOut">
               <a:rPr lang="en-US" smtClean="0"/>
-              <a:t>30/05/17</a:t>
+              <a:t>6/1/2017</a:t>
             </a:fld>
             <a:endParaRPr lang="en-US" dirty="0"/>
           </a:p>
@@ -2684,7 +2684,7 @@
           <a:p>
             <a:fld id="{4FAB73BC-B049-4115-A692-8D63A059BFB8}" type="slidenum">
               <a:rPr lang="en-US" smtClean="0"/>
-              <a:t>‹#›</a:t>
+              <a:t>‹N°›</a:t>
             </a:fld>
             <a:endParaRPr lang="en-US" dirty="0"/>
           </a:p>
@@ -2822,7 +2822,7 @@
           <a:p>
             <a:fld id="{96DFF08F-DC6B-4601-B491-B0F83F6DD2DA}" type="datetimeFigureOut">
               <a:rPr lang="en-US" smtClean="0"/>
-              <a:t>30/05/17</a:t>
+              <a:t>6/1/2017</a:t>
             </a:fld>
             <a:endParaRPr lang="en-US" dirty="0"/>
           </a:p>
@@ -2864,7 +2864,7 @@
           <a:p>
             <a:fld id="{4FAB73BC-B049-4115-A692-8D63A059BFB8}" type="slidenum">
               <a:rPr lang="en-US" smtClean="0"/>
-              <a:t>‹#›</a:t>
+              <a:t>‹N°›</a:t>
             </a:fld>
             <a:endParaRPr lang="en-US" dirty="0"/>
           </a:p>
@@ -2998,7 +2998,7 @@
           <a:p>
             <a:fld id="{96DFF08F-DC6B-4601-B491-B0F83F6DD2DA}" type="datetimeFigureOut">
               <a:rPr lang="en-US" smtClean="0"/>
-              <a:t>30/05/17</a:t>
+              <a:t>6/1/2017</a:t>
             </a:fld>
             <a:endParaRPr lang="en-US" dirty="0"/>
           </a:p>
@@ -3040,7 +3040,7 @@
           <a:p>
             <a:fld id="{4FAB73BC-B049-4115-A692-8D63A059BFB8}" type="slidenum">
               <a:rPr lang="en-US" smtClean="0"/>
-              <a:t>‹#›</a:t>
+              <a:t>‹N°›</a:t>
             </a:fld>
             <a:endParaRPr lang="en-US" dirty="0"/>
           </a:p>
@@ -3245,7 +3245,7 @@
           <a:p>
             <a:fld id="{96DFF08F-DC6B-4601-B491-B0F83F6DD2DA}" type="datetimeFigureOut">
               <a:rPr lang="en-US" smtClean="0"/>
-              <a:t>30/05/17</a:t>
+              <a:t>6/1/2017</a:t>
             </a:fld>
             <a:endParaRPr lang="en-US" dirty="0"/>
           </a:p>
@@ -3287,7 +3287,7 @@
           <a:p>
             <a:fld id="{4FAB73BC-B049-4115-A692-8D63A059BFB8}" type="slidenum">
               <a:rPr lang="en-US" smtClean="0"/>
-              <a:t>‹#›</a:t>
+              <a:t>‹N°›</a:t>
             </a:fld>
             <a:endParaRPr lang="en-US" dirty="0"/>
           </a:p>
@@ -3477,7 +3477,7 @@
           <a:p>
             <a:fld id="{96DFF08F-DC6B-4601-B491-B0F83F6DD2DA}" type="datetimeFigureOut">
               <a:rPr lang="en-US" smtClean="0"/>
-              <a:t>30/05/17</a:t>
+              <a:t>6/1/2017</a:t>
             </a:fld>
             <a:endParaRPr lang="en-US" dirty="0"/>
           </a:p>
@@ -3519,7 +3519,7 @@
           <a:p>
             <a:fld id="{4FAB73BC-B049-4115-A692-8D63A059BFB8}" type="slidenum">
               <a:rPr lang="en-US" smtClean="0"/>
-              <a:t>‹#›</a:t>
+              <a:t>‹N°›</a:t>
             </a:fld>
             <a:endParaRPr lang="en-US" dirty="0"/>
           </a:p>
@@ -3851,7 +3851,7 @@
           <a:p>
             <a:fld id="{96DFF08F-DC6B-4601-B491-B0F83F6DD2DA}" type="datetimeFigureOut">
               <a:rPr lang="en-US" smtClean="0"/>
-              <a:t>30/05/17</a:t>
+              <a:t>6/1/2017</a:t>
             </a:fld>
             <a:endParaRPr lang="en-US" dirty="0"/>
           </a:p>
@@ -3893,7 +3893,7 @@
           <a:p>
             <a:fld id="{4FAB73BC-B049-4115-A692-8D63A059BFB8}" type="slidenum">
               <a:rPr lang="en-US" smtClean="0"/>
-              <a:t>‹#›</a:t>
+              <a:t>‹N°›</a:t>
             </a:fld>
             <a:endParaRPr lang="en-US" dirty="0"/>
           </a:p>
@@ -3974,7 +3974,7 @@
           <a:p>
             <a:fld id="{96DFF08F-DC6B-4601-B491-B0F83F6DD2DA}" type="datetimeFigureOut">
               <a:rPr lang="en-US" smtClean="0"/>
-              <a:t>30/05/17</a:t>
+              <a:t>6/1/2017</a:t>
             </a:fld>
             <a:endParaRPr lang="en-US" dirty="0"/>
           </a:p>
@@ -4016,7 +4016,7 @@
           <a:p>
             <a:fld id="{4FAB73BC-B049-4115-A692-8D63A059BFB8}" type="slidenum">
               <a:rPr lang="en-US" smtClean="0"/>
-              <a:t>‹#›</a:t>
+              <a:t>‹N°›</a:t>
             </a:fld>
             <a:endParaRPr lang="en-US" dirty="0"/>
           </a:p>
@@ -4069,7 +4069,7 @@
           <a:p>
             <a:fld id="{96DFF08F-DC6B-4601-B491-B0F83F6DD2DA}" type="datetimeFigureOut">
               <a:rPr lang="en-US" smtClean="0"/>
-              <a:t>30/05/17</a:t>
+              <a:t>6/1/2017</a:t>
             </a:fld>
             <a:endParaRPr lang="en-US" dirty="0"/>
           </a:p>
@@ -4111,7 +4111,7 @@
           <a:p>
             <a:fld id="{4FAB73BC-B049-4115-A692-8D63A059BFB8}" type="slidenum">
               <a:rPr lang="en-US" smtClean="0"/>
-              <a:t>‹#›</a:t>
+              <a:t>‹N°›</a:t>
             </a:fld>
             <a:endParaRPr lang="en-US" dirty="0"/>
           </a:p>
@@ -4324,7 +4324,7 @@
           <a:p>
             <a:fld id="{96DFF08F-DC6B-4601-B491-B0F83F6DD2DA}" type="datetimeFigureOut">
               <a:rPr lang="en-US" smtClean="0"/>
-              <a:t>30/05/17</a:t>
+              <a:t>6/1/2017</a:t>
             </a:fld>
             <a:endParaRPr lang="en-US" dirty="0"/>
           </a:p>
@@ -4366,7 +4366,7 @@
           <a:p>
             <a:fld id="{4FAB73BC-B049-4115-A692-8D63A059BFB8}" type="slidenum">
               <a:rPr lang="en-US" smtClean="0"/>
-              <a:t>‹#›</a:t>
+              <a:t>‹N°›</a:t>
             </a:fld>
             <a:endParaRPr lang="en-US" dirty="0"/>
           </a:p>
@@ -4587,7 +4587,7 @@
           <a:p>
             <a:fld id="{96DFF08F-DC6B-4601-B491-B0F83F6DD2DA}" type="datetimeFigureOut">
               <a:rPr lang="en-US" smtClean="0"/>
-              <a:t>30/05/17</a:t>
+              <a:t>6/1/2017</a:t>
             </a:fld>
             <a:endParaRPr lang="en-US" dirty="0"/>
           </a:p>
@@ -4629,7 +4629,7 @@
           <a:p>
             <a:fld id="{4FAB73BC-B049-4115-A692-8D63A059BFB8}" type="slidenum">
               <a:rPr lang="en-US" smtClean="0"/>
-              <a:t>‹#›</a:t>
+              <a:t>‹N°›</a:t>
             </a:fld>
             <a:endParaRPr lang="en-US" dirty="0"/>
           </a:p>
@@ -5331,7 +5331,7 @@
             <a:fld id="{96DFF08F-DC6B-4601-B491-B0F83F6DD2DA}" type="datetimeFigureOut">
               <a:rPr lang="en-US" smtClean="0"/>
               <a:pPr/>
-              <a:t>30/05/17</a:t>
+              <a:t>6/1/2017</a:t>
             </a:fld>
             <a:endParaRPr lang="en-US" dirty="0"/>
           </a:p>
@@ -5408,7 +5408,7 @@
             <a:fld id="{4FAB73BC-B049-4115-A692-8D63A059BFB8}" type="slidenum">
               <a:rPr lang="en-US" smtClean="0"/>
               <a:pPr/>
-              <a:t>‹#›</a:t>
+              <a:t>‹N°›</a:t>
             </a:fld>
             <a:endParaRPr lang="en-US" dirty="0"/>
           </a:p>
@@ -5915,14 +5915,17 @@
           </a:p>
           <a:p>
             <a:r>
-              <a:rPr lang="fr-FR" dirty="0"/>
-              <a:t>1</a:t>
-            </a:r>
-            <a:r>
               <a:rPr lang="fr-FR" dirty="0" smtClean="0"/>
-              <a:t> juin2017</a:t>
-            </a:r>
-            <a:endParaRPr lang="fr-FR" dirty="0" smtClean="0"/>
+              <a:t>1er</a:t>
+            </a:r>
+            <a:r>
+              <a:rPr lang="fr-FR" dirty="0" smtClean="0"/>
+              <a:t> juin </a:t>
+            </a:r>
+            <a:r>
+              <a:rPr lang="fr-FR" dirty="0" smtClean="0"/>
+              <a:t>2017</a:t>
+            </a:r>
           </a:p>
           <a:p>
             <a:endParaRPr lang="fr-FR" dirty="0"/>
@@ -5975,7 +5978,7 @@
           </a:prstGeom>
           <a:noFill/>
           <a:extLst>
-            <a:ext uri="{909E8E84-426E-40dd-AFC4-6F175D3DCCD1}">
+            <a:ext uri="{909E8E84-426E-40DD-AFC4-6F175D3DCCD1}">
               <a14:hiddenFill xmlns:a14="http://schemas.microsoft.com/office/drawing/2010/main">
                 <a:solidFill>
                   <a:srgbClr val="FFFFFF"/>
@@ -5998,7 +6001,7 @@
   <p:timing>
     <p:tnLst>
       <p:par>
-        <p:cTn xmlns:p14="http://schemas.microsoft.com/office/powerpoint/2010/main" id="1" dur="indefinite" restart="never" nodeType="tmRoot"/>
+        <p:cTn id="1" dur="indefinite" restart="never" nodeType="tmRoot"/>
       </p:par>
     </p:tnLst>
   </p:timing>
@@ -6325,7 +6328,7 @@
   <p:timing>
     <p:tnLst>
       <p:par>
-        <p:cTn xmlns:p14="http://schemas.microsoft.com/office/powerpoint/2010/main" id="1" dur="indefinite" restart="never" nodeType="tmRoot"/>
+        <p:cTn id="1" dur="indefinite" restart="never" nodeType="tmRoot"/>
       </p:par>
     </p:tnLst>
   </p:timing>
@@ -6673,7 +6676,7 @@
   <p:timing>
     <p:tnLst>
       <p:par>
-        <p:cTn xmlns:p14="http://schemas.microsoft.com/office/powerpoint/2010/main" id="1" dur="indefinite" restart="never" nodeType="tmRoot">
+        <p:cTn id="1" dur="indefinite" restart="never" nodeType="tmRoot">
           <p:childTnLst>
             <p:seq concurrent="1" nextAc="seek">
               <p:cTn id="2" dur="indefinite" nodeType="mainSeq">
@@ -7540,7 +7543,7 @@
   <p:timing>
     <p:tnLst>
       <p:par>
-        <p:cTn xmlns:p14="http://schemas.microsoft.com/office/powerpoint/2010/main" id="1" dur="indefinite" restart="never" nodeType="tmRoot">
+        <p:cTn id="1" dur="indefinite" restart="never" nodeType="tmRoot">
           <p:childTnLst>
             <p:seq concurrent="1" nextAc="seek">
               <p:cTn id="2" dur="indefinite" nodeType="mainSeq">
@@ -7866,7 +7869,7 @@
   <p:timing>
     <p:tnLst>
       <p:par>
-        <p:cTn xmlns:p14="http://schemas.microsoft.com/office/powerpoint/2010/main" id="1" dur="indefinite" restart="never" nodeType="tmRoot"/>
+        <p:cTn id="1" dur="indefinite" restart="never" nodeType="tmRoot"/>
       </p:par>
     </p:tnLst>
   </p:timing>
@@ -7928,7 +7931,7 @@
           </a:prstGeom>
           <a:noFill/>
           <a:extLst>
-            <a:ext uri="{909E8E84-426E-40dd-AFC4-6F175D3DCCD1}">
+            <a:ext uri="{909E8E84-426E-40DD-AFC4-6F175D3DCCD1}">
               <a14:hiddenFill xmlns:a14="http://schemas.microsoft.com/office/drawing/2010/main">
                 <a:solidFill>
                   <a:srgbClr val="FFFFFF"/>
@@ -8012,7 +8015,7 @@
   <p:timing>
     <p:tnLst>
       <p:par>
-        <p:cTn xmlns:p14="http://schemas.microsoft.com/office/powerpoint/2010/main" id="1" dur="indefinite" restart="never" nodeType="tmRoot"/>
+        <p:cTn id="1" dur="indefinite" restart="never" nodeType="tmRoot"/>
       </p:par>
     </p:tnLst>
   </p:timing>
@@ -8261,7 +8264,7 @@
   <p:timing>
     <p:tnLst>
       <p:par>
-        <p:cTn xmlns:p14="http://schemas.microsoft.com/office/powerpoint/2010/main" id="1" dur="indefinite" restart="never" nodeType="tmRoot"/>
+        <p:cTn id="1" dur="indefinite" restart="never" nodeType="tmRoot"/>
       </p:par>
     </p:tnLst>
   </p:timing>
@@ -8650,7 +8653,7 @@
   <p:timing>
     <p:tnLst>
       <p:par>
-        <p:cTn xmlns:p14="http://schemas.microsoft.com/office/powerpoint/2010/main" id="1" dur="indefinite" restart="never" nodeType="tmRoot"/>
+        <p:cTn id="1" dur="indefinite" restart="never" nodeType="tmRoot"/>
       </p:par>
     </p:tnLst>
   </p:timing>
@@ -9317,7 +9320,7 @@
   <p:timing>
     <p:tnLst>
       <p:par>
-        <p:cTn xmlns:p14="http://schemas.microsoft.com/office/powerpoint/2010/main" id="1" dur="indefinite" restart="never" nodeType="tmRoot"/>
+        <p:cTn id="1" dur="indefinite" restart="never" nodeType="tmRoot"/>
       </p:par>
     </p:tnLst>
   </p:timing>
@@ -9743,7 +9746,7 @@
   <p:timing>
     <p:tnLst>
       <p:par>
-        <p:cTn xmlns:p14="http://schemas.microsoft.com/office/powerpoint/2010/main" id="1" dur="indefinite" restart="never" nodeType="tmRoot"/>
+        <p:cTn id="1" dur="indefinite" restart="never" nodeType="tmRoot"/>
       </p:par>
     </p:tnLst>
   </p:timing>
@@ -9937,7 +9940,7 @@
   <p:timing>
     <p:tnLst>
       <p:par>
-        <p:cTn xmlns:p14="http://schemas.microsoft.com/office/powerpoint/2010/main" id="1" dur="indefinite" restart="never" nodeType="tmRoot"/>
+        <p:cTn id="1" dur="indefinite" restart="never" nodeType="tmRoot"/>
       </p:par>
     </p:tnLst>
   </p:timing>
@@ -10220,7 +10223,15 @@
             </a:r>
             <a:r>
               <a:rPr lang="fr-FR" sz="1800" dirty="0"/>
-              <a:t> en cliquant sur le package de vote choix</a:t>
+              <a:t> en cliquant sur le package de </a:t>
+            </a:r>
+            <a:r>
+              <a:rPr lang="fr-FR" sz="1800" dirty="0" smtClean="0"/>
+              <a:t>votre </a:t>
+            </a:r>
+            <a:r>
+              <a:rPr lang="fr-FR" sz="1800" dirty="0"/>
+              <a:t>choix</a:t>
             </a:r>
           </a:p>
         </p:txBody>
@@ -10238,7 +10249,7 @@
   <p:timing>
     <p:tnLst>
       <p:par>
-        <p:cTn xmlns:p14="http://schemas.microsoft.com/office/powerpoint/2010/main" id="1" dur="indefinite" restart="never" nodeType="tmRoot"/>
+        <p:cTn id="1" dur="indefinite" restart="never" nodeType="tmRoot"/>
       </p:par>
     </p:tnLst>
   </p:timing>
@@ -10507,7 +10518,7 @@
   <p:timing>
     <p:tnLst>
       <p:par>
-        <p:cTn xmlns:p14="http://schemas.microsoft.com/office/powerpoint/2010/main" id="1" dur="indefinite" restart="never" nodeType="tmRoot"/>
+        <p:cTn id="1" dur="indefinite" restart="never" nodeType="tmRoot"/>
       </p:par>
     </p:tnLst>
   </p:timing>
@@ -10895,7 +10906,7 @@
   <p:timing>
     <p:tnLst>
       <p:par>
-        <p:cTn xmlns:p14="http://schemas.microsoft.com/office/powerpoint/2010/main" id="1" dur="indefinite" restart="never" nodeType="tmRoot"/>
+        <p:cTn id="1" dur="indefinite" restart="never" nodeType="tmRoot"/>
       </p:par>
     </p:tnLst>
   </p:timing>
@@ -10945,7 +10956,7 @@
     </a:clrScheme>
     <a:fontScheme name="Facette">
       <a:majorFont>
-        <a:latin typeface="Trebuchet MS"/>
+        <a:latin typeface="Trebuchet MS" panose="020B0603020202020204"/>
         <a:ea typeface=""/>
         <a:cs typeface=""/>
         <a:font script="Jpan" typeface="メイリオ"/>
@@ -10980,7 +10991,7 @@
         <a:font script="Geor" typeface="Sylfaen"/>
       </a:majorFont>
       <a:minorFont>
-        <a:latin typeface="Trebuchet MS"/>
+        <a:latin typeface="Trebuchet MS" panose="020B0603020202020204"/>
         <a:ea typeface=""/>
         <a:cs typeface=""/>
         <a:font script="Jpan" typeface="メイリオ"/>
